--- a/EROOR501.pptx
+++ b/EROOR501.pptx
@@ -7235,7 +7235,7 @@
         <p:spPr>
           <a:xfrm>
             <a:off x="5539562" y="1410734"/>
-            <a:ext cx="1357423" cy="2246769"/>
+            <a:ext cx="1357423" cy="2554545"/>
           </a:xfrm>
           <a:prstGeom prst="rect">
             <a:avLst/>
@@ -7294,7 +7294,7 @@
               <a:buChar char="•"/>
             </a:pPr>
             <a:r>
-              <a:rPr lang="en-IN" sz="2000" dirty="0">
+              <a:rPr lang="en-IN" sz="2000" dirty="0" smtClean="0">
                 <a:solidFill>
                   <a:schemeClr val="tx1"/>
                 </a:solidFill>
@@ -7305,10 +7305,23 @@
             </a:r>
           </a:p>
           <a:p>
-            <a:pPr>
+            <a:pPr algn="just">
+              <a:lnSpc>
+                <a:spcPct val="200000"/>
+              </a:lnSpc>
               <a:buFont typeface="Arial" panose="020B0604020202020204" pitchFamily="34" charset="0"/>
               <a:buChar char="•"/>
             </a:pPr>
+            <a:r>
+              <a:rPr lang="en-US" sz="2000" dirty="0" smtClean="0">
+                <a:solidFill>
+                  <a:schemeClr val="tx1"/>
+                </a:solidFill>
+                <a:latin typeface="Times New Roman" panose="02020603050405020304" pitchFamily="18" charset="0"/>
+                <a:cs typeface="Times New Roman" panose="02020603050405020304" pitchFamily="18" charset="0"/>
+              </a:rPr>
+              <a:t>Power BI </a:t>
+            </a:r>
             <a:endParaRPr lang="en-IN" sz="2000" dirty="0">
               <a:solidFill>
                 <a:schemeClr val="tx1"/>
@@ -7471,6 +7484,36 @@
           <a:xfrm>
             <a:off x="6313249" y="2516614"/>
             <a:ext cx="389862" cy="546340"/>
+          </a:xfrm>
+          <a:prstGeom prst="rect">
+            <a:avLst/>
+          </a:prstGeom>
+        </p:spPr>
+      </p:pic>
+      <p:pic>
+        <p:nvPicPr>
+          <p:cNvPr id="8" name="Picture 7" descr="&lt;strong&gt;Power&lt;/strong&gt; &lt;strong&gt;BI&lt;/strong&gt; - Wikipedia, la enciclopedia libre"/>
+          <p:cNvPicPr>
+            <a:picLocks noChangeAspect="1"/>
+          </p:cNvPicPr>
+          <p:nvPr/>
+        </p:nvPicPr>
+        <p:blipFill>
+          <a:blip r:embed="rId8">
+            <a:extLst>
+              <a:ext uri="{28A0092B-C50C-407E-A947-70E740481C1C}">
+                <a14:useLocalDpi xmlns:a14="http://schemas.microsoft.com/office/drawing/2010/main" val="0"/>
+              </a:ext>
+            </a:extLst>
+          </a:blip>
+          <a:stretch>
+            <a:fillRect/>
+          </a:stretch>
+        </p:blipFill>
+        <p:spPr>
+          <a:xfrm>
+            <a:off x="6770451" y="3211690"/>
+            <a:ext cx="340242" cy="340242"/>
           </a:xfrm>
           <a:prstGeom prst="rect">
             <a:avLst/>
